--- a/manual/OSCAR-CLI/OSCAR-CLI-USER-MANUAL-150319.pptx
+++ b/manual/OSCAR-CLI/OSCAR-CLI-USER-MANUAL-150319.pptx
@@ -5,10 +5,10 @@
     <p:sldMasterId id="2147483648" r:id="rId4"/>
   </p:sldMasterIdLst>
   <p:notesMasterIdLst>
-    <p:notesMasterId r:id="rId35"/>
+    <p:notesMasterId r:id="rId36"/>
   </p:notesMasterIdLst>
   <p:handoutMasterIdLst>
-    <p:handoutMasterId r:id="rId36"/>
+    <p:handoutMasterId r:id="rId37"/>
   </p:handoutMasterIdLst>
   <p:sldIdLst>
     <p:sldId id="324" r:id="rId5"/>
@@ -41,11 +41,12 @@
     <p:sldId id="348" r:id="rId32"/>
     <p:sldId id="352" r:id="rId33"/>
     <p:sldId id="349" r:id="rId34"/>
+    <p:sldId id="358" r:id="rId35"/>
   </p:sldIdLst>
   <p:sldSz cx="9144000" cy="6858000" type="screen4x3"/>
   <p:notesSz cx="7010400" cy="9296400"/>
   <p:custDataLst>
-    <p:tags r:id="rId37"/>
+    <p:tags r:id="rId38"/>
   </p:custDataLst>
   <p:defaultTextStyle>
     <a:defPPr>
@@ -258,7 +259,7 @@
             <a:fld id="{60CF7EEC-4C94-4D4A-A32D-834243A74947}" type="datetimeFigureOut">
               <a:rPr lang="en-US" smtClean="0"/>
               <a:pPr/>
-              <a:t>4/3/2015</a:t>
+              <a:t>5/14/2015</a:t>
             </a:fld>
             <a:endParaRPr lang="en-US" dirty="0"/>
           </a:p>
@@ -425,7 +426,7 @@
             <a:fld id="{1820F4F5-C013-4D1F-BD3A-6DBB027DE5A1}" type="datetimeFigureOut">
               <a:rPr lang="en-US" smtClean="0"/>
               <a:pPr/>
-              <a:t>4/3/2015</a:t>
+              <a:t>5/14/2015</a:t>
             </a:fld>
             <a:endParaRPr lang="en-US" dirty="0"/>
           </a:p>
@@ -904,7 +905,7 @@
             <a:fld id="{D9167399-062E-AC4D-BE1A-2F350F001E69}" type="datetimeFigureOut">
               <a:rPr lang="en-US" smtClean="0"/>
               <a:pPr/>
-              <a:t>4/3/2015</a:t>
+              <a:t>5/14/2015</a:t>
             </a:fld>
             <a:endParaRPr lang="en-US" dirty="0"/>
           </a:p>
@@ -1105,7 +1106,7 @@
             <a:fld id="{D9167399-062E-AC4D-BE1A-2F350F001E69}" type="datetimeFigureOut">
               <a:rPr lang="en-US" smtClean="0"/>
               <a:pPr/>
-              <a:t>4/3/2015</a:t>
+              <a:t>5/14/2015</a:t>
             </a:fld>
             <a:endParaRPr lang="en-US" dirty="0"/>
           </a:p>
@@ -1368,7 +1369,7 @@
             <a:fld id="{A00FA051-77C7-46D3-80CF-8BC8332364C9}" type="datetimeFigureOut">
               <a:rPr lang="en-US" smtClean="0"/>
               <a:pPr/>
-              <a:t>4/3/2015</a:t>
+              <a:t>5/14/2015</a:t>
             </a:fld>
             <a:endParaRPr lang="en-US" dirty="0"/>
           </a:p>
@@ -1874,7 +1875,7 @@
             <a:fld id="{D9167399-062E-AC4D-BE1A-2F350F001E69}" type="datetimeFigureOut">
               <a:rPr lang="en-US" smtClean="0"/>
               <a:pPr/>
-              <a:t>4/3/2015</a:t>
+              <a:t>5/14/2015</a:t>
             </a:fld>
             <a:endParaRPr lang="en-US" dirty="0"/>
           </a:p>
@@ -2317,7 +2318,7 @@
             <a:fld id="{D9167399-062E-AC4D-BE1A-2F350F001E69}" type="datetimeFigureOut">
               <a:rPr lang="en-US" smtClean="0"/>
               <a:pPr/>
-              <a:t>4/3/2015</a:t>
+              <a:t>5/14/2015</a:t>
             </a:fld>
             <a:endParaRPr lang="en-US" dirty="0"/>
           </a:p>
@@ -2456,7 +2457,7 @@
             <a:fld id="{D9167399-062E-AC4D-BE1A-2F350F001E69}" type="datetimeFigureOut">
               <a:rPr lang="en-US" smtClean="0"/>
               <a:pPr/>
-              <a:t>4/3/2015</a:t>
+              <a:t>5/14/2015</a:t>
             </a:fld>
             <a:endParaRPr lang="en-US" dirty="0"/>
           </a:p>
@@ -2572,7 +2573,7 @@
             <a:fld id="{D9167399-062E-AC4D-BE1A-2F350F001E69}" type="datetimeFigureOut">
               <a:rPr lang="en-US" smtClean="0"/>
               <a:pPr/>
-              <a:t>4/3/2015</a:t>
+              <a:t>5/14/2015</a:t>
             </a:fld>
             <a:endParaRPr lang="en-US" dirty="0"/>
           </a:p>
@@ -2870,7 +2871,7 @@
             <a:fld id="{D9167399-062E-AC4D-BE1A-2F350F001E69}" type="datetimeFigureOut">
               <a:rPr lang="en-US" smtClean="0"/>
               <a:pPr/>
-              <a:t>4/3/2015</a:t>
+              <a:t>5/14/2015</a:t>
             </a:fld>
             <a:endParaRPr lang="en-US" dirty="0"/>
           </a:p>
@@ -3144,7 +3145,7 @@
             <a:fld id="{D9167399-062E-AC4D-BE1A-2F350F001E69}" type="datetimeFigureOut">
               <a:rPr lang="en-US" smtClean="0"/>
               <a:pPr/>
-              <a:t>4/3/2015</a:t>
+              <a:t>5/14/2015</a:t>
             </a:fld>
             <a:endParaRPr lang="en-US" dirty="0"/>
           </a:p>
@@ -5719,13 +5720,8 @@
           <a:p>
             <a:r>
               <a:rPr lang="en-US" dirty="0" smtClean="0"/>
-              <a:t>-M </a:t>
-            </a:r>
-            <a:r>
-              <a:rPr lang="en-US" dirty="0" smtClean="0"/>
-              <a:t>t&lt;true&gt;</a:t>
-            </a:r>
-            <a:endParaRPr lang="en-US" dirty="0" smtClean="0"/>
+              <a:t>-M t&lt;true&gt;</a:t>
+            </a:r>
           </a:p>
           <a:p>
             <a:endParaRPr lang="en-US" dirty="0"/>
@@ -5753,7 +5749,6 @@
               <a:rPr lang="en-US" dirty="0" smtClean="0"/>
               <a:t>f&lt;false&gt;</a:t>
             </a:r>
-            <a:endParaRPr lang="en-US" dirty="0" smtClean="0"/>
           </a:p>
           <a:p>
             <a:endParaRPr lang="en-US" dirty="0"/>
@@ -9222,6 +9217,613 @@
     <p:extLst>
       <p:ext uri="{BB962C8B-B14F-4D97-AF65-F5344CB8AC3E}">
         <p14:creationId xmlns:p14="http://schemas.microsoft.com/office/powerpoint/2010/main" val="2932707454"/>
+      </p:ext>
+    </p:extLst>
+  </p:cSld>
+  <p:clrMapOvr>
+    <a:masterClrMapping/>
+  </p:clrMapOvr>
+  <p:timing>
+    <p:tnLst>
+      <p:par>
+        <p:cTn id="1" dur="indefinite" restart="never" nodeType="tmRoot"/>
+      </p:par>
+    </p:tnLst>
+  </p:timing>
+</p:sld>
+</file>
+
+<file path=ppt/slides/slide31.xml><?xml version="1.0" encoding="utf-8"?>
+<p:sld xmlns:a="http://schemas.openxmlformats.org/drawingml/2006/main" xmlns:r="http://schemas.openxmlformats.org/officeDocument/2006/relationships" xmlns:p="http://schemas.openxmlformats.org/presentationml/2006/main">
+  <p:cSld>
+    <p:spTree>
+      <p:nvGrpSpPr>
+        <p:cNvPr id="1" name=""/>
+        <p:cNvGrpSpPr/>
+        <p:nvPr/>
+      </p:nvGrpSpPr>
+      <p:grpSpPr>
+        <a:xfrm>
+          <a:off x="0" y="0"/>
+          <a:ext cx="0" cy="0"/>
+          <a:chOff x="0" y="0"/>
+          <a:chExt cx="0" cy="0"/>
+        </a:xfrm>
+      </p:grpSpPr>
+      <p:sp>
+        <p:nvSpPr>
+          <p:cNvPr id="2" name="Title 1"/>
+          <p:cNvSpPr>
+            <a:spLocks noGrp="1"/>
+          </p:cNvSpPr>
+          <p:nvPr>
+            <p:ph type="ctrTitle"/>
+          </p:nvPr>
+        </p:nvSpPr>
+        <p:spPr>
+          <a:xfrm>
+            <a:off x="640080" y="14798"/>
+            <a:ext cx="7772400" cy="885954"/>
+          </a:xfrm>
+        </p:spPr>
+        <p:txBody>
+          <a:bodyPr>
+            <a:normAutofit fontScale="90000"/>
+          </a:bodyPr>
+          <a:lstStyle/>
+          <a:p>
+            <a:pPr algn="ctr"/>
+            <a:r>
+              <a:rPr lang="en-US" dirty="0" smtClean="0"/>
+              <a:t>OSCAR-CLI</a:t>
+            </a:r>
+            <a:br>
+              <a:rPr lang="en-US" dirty="0" smtClean="0"/>
+            </a:br>
+            <a:r>
+              <a:rPr lang="en-US" dirty="0" smtClean="0"/>
+              <a:t>Merge Bulk Build</a:t>
+            </a:r>
+            <a:endParaRPr lang="en-US" u="sng" dirty="0" smtClean="0"/>
+          </a:p>
+        </p:txBody>
+      </p:sp>
+      <p:sp>
+        <p:nvSpPr>
+          <p:cNvPr id="3" name="Rectangle 2"/>
+          <p:cNvSpPr/>
+          <p:nvPr/>
+        </p:nvSpPr>
+        <p:spPr>
+          <a:xfrm>
+            <a:off x="285236" y="1255593"/>
+            <a:ext cx="1884757" cy="1351128"/>
+          </a:xfrm>
+          <a:prstGeom prst="rect">
+            <a:avLst/>
+          </a:prstGeom>
+        </p:spPr>
+        <p:style>
+          <a:lnRef idx="1">
+            <a:schemeClr val="accent1"/>
+          </a:lnRef>
+          <a:fillRef idx="3">
+            <a:schemeClr val="accent1"/>
+          </a:fillRef>
+          <a:effectRef idx="2">
+            <a:schemeClr val="accent1"/>
+          </a:effectRef>
+          <a:fontRef idx="minor">
+            <a:schemeClr val="lt1"/>
+          </a:fontRef>
+        </p:style>
+        <p:txBody>
+          <a:bodyPr rtlCol="0" anchor="ctr"/>
+          <a:lstStyle/>
+          <a:p>
+            <a:pPr algn="ctr"/>
+            <a:r>
+              <a:rPr lang="en-US" b="1" u="sng" dirty="0" smtClean="0">
+                <a:solidFill>
+                  <a:schemeClr val="tx1"/>
+                </a:solidFill>
+              </a:rPr>
+              <a:t>Input Directory Model</a:t>
+            </a:r>
+          </a:p>
+          <a:p>
+            <a:pPr algn="ctr"/>
+            <a:r>
+              <a:rPr lang="en-US" dirty="0" smtClean="0">
+                <a:solidFill>
+                  <a:schemeClr val="tx1"/>
+                </a:solidFill>
+              </a:rPr>
+              <a:t>Model1.txt</a:t>
+            </a:r>
+          </a:p>
+          <a:p>
+            <a:pPr algn="ctr"/>
+            <a:r>
+              <a:rPr lang="en-US" dirty="0" smtClean="0">
+                <a:solidFill>
+                  <a:schemeClr val="tx1"/>
+                </a:solidFill>
+              </a:rPr>
+              <a:t>Model2.txt</a:t>
+            </a:r>
+          </a:p>
+          <a:p>
+            <a:pPr algn="ctr"/>
+            <a:r>
+              <a:rPr lang="en-US" dirty="0" smtClean="0">
+                <a:solidFill>
+                  <a:schemeClr val="tx1"/>
+                </a:solidFill>
+              </a:rPr>
+              <a:t>Model3.txt</a:t>
+            </a:r>
+            <a:endParaRPr lang="en-US" dirty="0">
+              <a:solidFill>
+                <a:schemeClr val="tx1"/>
+              </a:solidFill>
+            </a:endParaRPr>
+          </a:p>
+        </p:txBody>
+      </p:sp>
+      <p:sp>
+        <p:nvSpPr>
+          <p:cNvPr id="5" name="Rectangle 4"/>
+          <p:cNvSpPr/>
+          <p:nvPr/>
+        </p:nvSpPr>
+        <p:spPr>
+          <a:xfrm>
+            <a:off x="285235" y="2798934"/>
+            <a:ext cx="1884757" cy="1351128"/>
+          </a:xfrm>
+          <a:prstGeom prst="rect">
+            <a:avLst/>
+          </a:prstGeom>
+        </p:spPr>
+        <p:style>
+          <a:lnRef idx="1">
+            <a:schemeClr val="accent1"/>
+          </a:lnRef>
+          <a:fillRef idx="3">
+            <a:schemeClr val="accent1"/>
+          </a:fillRef>
+          <a:effectRef idx="2">
+            <a:schemeClr val="accent1"/>
+          </a:effectRef>
+          <a:fontRef idx="minor">
+            <a:schemeClr val="lt1"/>
+          </a:fontRef>
+        </p:style>
+        <p:txBody>
+          <a:bodyPr rtlCol="0" anchor="ctr"/>
+          <a:lstStyle/>
+          <a:p>
+            <a:pPr algn="ctr"/>
+            <a:r>
+              <a:rPr lang="en-US" b="1" u="sng" dirty="0" smtClean="0">
+                <a:solidFill>
+                  <a:schemeClr val="tx1"/>
+                </a:solidFill>
+              </a:rPr>
+              <a:t>Input Directory Tier</a:t>
+            </a:r>
+          </a:p>
+          <a:p>
+            <a:pPr algn="ctr"/>
+            <a:r>
+              <a:rPr lang="en-US" dirty="0" smtClean="0">
+                <a:solidFill>
+                  <a:schemeClr val="tx1"/>
+                </a:solidFill>
+              </a:rPr>
+              <a:t>Tier1.txt</a:t>
+            </a:r>
+          </a:p>
+          <a:p>
+            <a:pPr algn="ctr"/>
+            <a:r>
+              <a:rPr lang="en-US" dirty="0" smtClean="0">
+                <a:solidFill>
+                  <a:schemeClr val="tx1"/>
+                </a:solidFill>
+              </a:rPr>
+              <a:t>Tier2.txt</a:t>
+            </a:r>
+          </a:p>
+          <a:p>
+            <a:pPr algn="ctr"/>
+            <a:r>
+              <a:rPr lang="en-US" dirty="0" smtClean="0">
+                <a:solidFill>
+                  <a:schemeClr val="tx1"/>
+                </a:solidFill>
+              </a:rPr>
+              <a:t>Tier3.txt</a:t>
+            </a:r>
+            <a:endParaRPr lang="en-US" dirty="0">
+              <a:solidFill>
+                <a:schemeClr val="tx1"/>
+              </a:solidFill>
+            </a:endParaRPr>
+          </a:p>
+        </p:txBody>
+      </p:sp>
+      <p:sp>
+        <p:nvSpPr>
+          <p:cNvPr id="6" name="Rectangle 5"/>
+          <p:cNvSpPr/>
+          <p:nvPr/>
+        </p:nvSpPr>
+        <p:spPr>
+          <a:xfrm>
+            <a:off x="285234" y="4342275"/>
+            <a:ext cx="1884757" cy="1351128"/>
+          </a:xfrm>
+          <a:prstGeom prst="rect">
+            <a:avLst/>
+          </a:prstGeom>
+        </p:spPr>
+        <p:style>
+          <a:lnRef idx="1">
+            <a:schemeClr val="accent1"/>
+          </a:lnRef>
+          <a:fillRef idx="3">
+            <a:schemeClr val="accent1"/>
+          </a:fillRef>
+          <a:effectRef idx="2">
+            <a:schemeClr val="accent1"/>
+          </a:effectRef>
+          <a:fontRef idx="minor">
+            <a:schemeClr val="lt1"/>
+          </a:fontRef>
+        </p:style>
+        <p:txBody>
+          <a:bodyPr rtlCol="0" anchor="ctr"/>
+          <a:lstStyle/>
+          <a:p>
+            <a:pPr algn="ctr"/>
+            <a:r>
+              <a:rPr lang="en-US" b="1" u="sng" dirty="0" smtClean="0">
+                <a:solidFill>
+                  <a:schemeClr val="tx1"/>
+                </a:solidFill>
+              </a:rPr>
+              <a:t>Input Directory CPE</a:t>
+            </a:r>
+          </a:p>
+          <a:p>
+            <a:pPr algn="ctr"/>
+            <a:r>
+              <a:rPr lang="en-US" dirty="0" smtClean="0">
+                <a:solidFill>
+                  <a:schemeClr val="tx1"/>
+                </a:solidFill>
+              </a:rPr>
+              <a:t>CPE1.txt</a:t>
+            </a:r>
+          </a:p>
+          <a:p>
+            <a:pPr algn="ctr"/>
+            <a:r>
+              <a:rPr lang="en-US" dirty="0" smtClean="0">
+                <a:solidFill>
+                  <a:schemeClr val="tx1"/>
+                </a:solidFill>
+              </a:rPr>
+              <a:t>CPE2.txt</a:t>
+            </a:r>
+          </a:p>
+          <a:p>
+            <a:pPr algn="ctr"/>
+            <a:r>
+              <a:rPr lang="en-US" dirty="0" smtClean="0">
+                <a:solidFill>
+                  <a:schemeClr val="tx1"/>
+                </a:solidFill>
+              </a:rPr>
+              <a:t>CPE3.txt</a:t>
+            </a:r>
+            <a:endParaRPr lang="en-US" dirty="0">
+              <a:solidFill>
+                <a:schemeClr val="tx1"/>
+              </a:solidFill>
+            </a:endParaRPr>
+          </a:p>
+        </p:txBody>
+      </p:sp>
+      <p:sp>
+        <p:nvSpPr>
+          <p:cNvPr id="4" name="Rectangle 3"/>
+          <p:cNvSpPr/>
+          <p:nvPr/>
+        </p:nvSpPr>
+        <p:spPr>
+          <a:xfrm>
+            <a:off x="3493249" y="1255592"/>
+            <a:ext cx="914002" cy="4437809"/>
+          </a:xfrm>
+          <a:prstGeom prst="rect">
+            <a:avLst/>
+          </a:prstGeom>
+        </p:spPr>
+        <p:style>
+          <a:lnRef idx="1">
+            <a:schemeClr val="accent1"/>
+          </a:lnRef>
+          <a:fillRef idx="3">
+            <a:schemeClr val="accent1"/>
+          </a:fillRef>
+          <a:effectRef idx="2">
+            <a:schemeClr val="accent1"/>
+          </a:effectRef>
+          <a:fontRef idx="minor">
+            <a:schemeClr val="lt1"/>
+          </a:fontRef>
+        </p:style>
+        <p:txBody>
+          <a:bodyPr rtlCol="0" anchor="ctr"/>
+          <a:lstStyle/>
+          <a:p>
+            <a:pPr algn="ctr"/>
+            <a:r>
+              <a:rPr lang="en-US" dirty="0" smtClean="0">
+                <a:solidFill>
+                  <a:schemeClr val="tx1"/>
+                </a:solidFill>
+              </a:rPr>
+              <a:t>OSCAR</a:t>
+            </a:r>
+            <a:endParaRPr lang="en-US" dirty="0">
+              <a:solidFill>
+                <a:schemeClr val="tx1"/>
+              </a:solidFill>
+            </a:endParaRPr>
+          </a:p>
+        </p:txBody>
+      </p:sp>
+      <p:sp>
+        <p:nvSpPr>
+          <p:cNvPr id="11" name="Rectangle 10"/>
+          <p:cNvSpPr/>
+          <p:nvPr/>
+        </p:nvSpPr>
+        <p:spPr>
+          <a:xfrm>
+            <a:off x="5825755" y="1255593"/>
+            <a:ext cx="2935821" cy="4437809"/>
+          </a:xfrm>
+          <a:prstGeom prst="rect">
+            <a:avLst/>
+          </a:prstGeom>
+        </p:spPr>
+        <p:style>
+          <a:lnRef idx="1">
+            <a:schemeClr val="accent1"/>
+          </a:lnRef>
+          <a:fillRef idx="3">
+            <a:schemeClr val="accent1"/>
+          </a:fillRef>
+          <a:effectRef idx="2">
+            <a:schemeClr val="accent1"/>
+          </a:effectRef>
+          <a:fontRef idx="minor">
+            <a:schemeClr val="lt1"/>
+          </a:fontRef>
+        </p:style>
+        <p:txBody>
+          <a:bodyPr rtlCol="0" anchor="ctr"/>
+          <a:lstStyle/>
+          <a:p>
+            <a:pPr algn="ctr"/>
+            <a:r>
+              <a:rPr lang="en-US" b="1" u="sng" dirty="0" smtClean="0">
+                <a:solidFill>
+                  <a:schemeClr val="tx1"/>
+                </a:solidFill>
+              </a:rPr>
+              <a:t>Output Directory</a:t>
+            </a:r>
+          </a:p>
+          <a:p>
+            <a:pPr algn="ctr"/>
+            <a:endParaRPr lang="en-US" b="1" u="sng" dirty="0">
+              <a:solidFill>
+                <a:schemeClr val="tx1"/>
+              </a:solidFill>
+            </a:endParaRPr>
+          </a:p>
+          <a:p>
+            <a:pPr algn="ctr"/>
+            <a:r>
+              <a:rPr lang="en-US" dirty="0" smtClean="0">
+                <a:solidFill>
+                  <a:schemeClr val="tx1"/>
+                </a:solidFill>
+              </a:rPr>
+              <a:t>Model1_Tier1_CPE1</a:t>
+            </a:r>
+          </a:p>
+          <a:p>
+            <a:pPr algn="ctr"/>
+            <a:r>
+              <a:rPr lang="en-US" dirty="0" smtClean="0">
+                <a:solidFill>
+                  <a:schemeClr val="tx1"/>
+                </a:solidFill>
+              </a:rPr>
+              <a:t>Model1_Tier2_CPE1</a:t>
+            </a:r>
+          </a:p>
+          <a:p>
+            <a:pPr algn="ctr"/>
+            <a:r>
+              <a:rPr lang="en-US" dirty="0" smtClean="0">
+                <a:solidFill>
+                  <a:schemeClr val="tx1"/>
+                </a:solidFill>
+              </a:rPr>
+              <a:t>Model1_Tier3_CPE1</a:t>
+            </a:r>
+          </a:p>
+          <a:p>
+            <a:pPr algn="ctr"/>
+            <a:r>
+              <a:rPr lang="en-US" dirty="0" smtClean="0">
+                <a:solidFill>
+                  <a:schemeClr val="tx1"/>
+                </a:solidFill>
+              </a:rPr>
+              <a:t>Model2_Tier1_CPE2</a:t>
+            </a:r>
+          </a:p>
+          <a:p>
+            <a:pPr algn="ctr"/>
+            <a:r>
+              <a:rPr lang="en-US" dirty="0" smtClean="0">
+                <a:solidFill>
+                  <a:schemeClr val="tx1"/>
+                </a:solidFill>
+              </a:rPr>
+              <a:t>Model2_Tier2_CPE2</a:t>
+            </a:r>
+          </a:p>
+          <a:p>
+            <a:pPr algn="ctr"/>
+            <a:r>
+              <a:rPr lang="en-US" dirty="0" smtClean="0">
+                <a:solidFill>
+                  <a:schemeClr val="tx1"/>
+                </a:solidFill>
+              </a:rPr>
+              <a:t>Model2_Tier3_CPE2</a:t>
+            </a:r>
+          </a:p>
+          <a:p>
+            <a:pPr algn="ctr"/>
+            <a:r>
+              <a:rPr lang="en-US" dirty="0" smtClean="0">
+                <a:solidFill>
+                  <a:schemeClr val="tx1"/>
+                </a:solidFill>
+              </a:rPr>
+              <a:t>Model3_Tier3_CPE3</a:t>
+            </a:r>
+          </a:p>
+          <a:p>
+            <a:pPr algn="ctr"/>
+            <a:r>
+              <a:rPr lang="en-US" dirty="0" smtClean="0">
+                <a:solidFill>
+                  <a:schemeClr val="tx1"/>
+                </a:solidFill>
+              </a:rPr>
+              <a:t>Model3_Tier3_CPE3</a:t>
+            </a:r>
+          </a:p>
+          <a:p>
+            <a:pPr algn="ctr"/>
+            <a:r>
+              <a:rPr lang="en-US" dirty="0" smtClean="0">
+                <a:solidFill>
+                  <a:schemeClr val="tx1"/>
+                </a:solidFill>
+              </a:rPr>
+              <a:t>Model3_Tier3_CPE3</a:t>
+            </a:r>
+            <a:endParaRPr lang="en-US" dirty="0">
+              <a:solidFill>
+                <a:schemeClr val="tx1"/>
+              </a:solidFill>
+            </a:endParaRPr>
+          </a:p>
+        </p:txBody>
+      </p:sp>
+      <p:sp>
+        <p:nvSpPr>
+          <p:cNvPr id="13" name="Right Arrow 12"/>
+          <p:cNvSpPr/>
+          <p:nvPr/>
+        </p:nvSpPr>
+        <p:spPr>
+          <a:xfrm>
+            <a:off x="2265239" y="1255593"/>
+            <a:ext cx="1132764" cy="4437809"/>
+          </a:xfrm>
+          <a:prstGeom prst="rightArrow">
+            <a:avLst/>
+          </a:prstGeom>
+        </p:spPr>
+        <p:style>
+          <a:lnRef idx="1">
+            <a:schemeClr val="accent1"/>
+          </a:lnRef>
+          <a:fillRef idx="3">
+            <a:schemeClr val="accent1"/>
+          </a:fillRef>
+          <a:effectRef idx="2">
+            <a:schemeClr val="accent1"/>
+          </a:effectRef>
+          <a:fontRef idx="minor">
+            <a:schemeClr val="lt1"/>
+          </a:fontRef>
+        </p:style>
+        <p:txBody>
+          <a:bodyPr rtlCol="0" anchor="ctr"/>
+          <a:lstStyle/>
+          <a:p>
+            <a:pPr algn="ctr"/>
+            <a:endParaRPr lang="en-US"/>
+          </a:p>
+        </p:txBody>
+      </p:sp>
+      <p:sp>
+        <p:nvSpPr>
+          <p:cNvPr id="14" name="Right Arrow 13"/>
+          <p:cNvSpPr/>
+          <p:nvPr/>
+        </p:nvSpPr>
+        <p:spPr>
+          <a:xfrm>
+            <a:off x="4597743" y="1255594"/>
+            <a:ext cx="1132764" cy="4437809"/>
+          </a:xfrm>
+          <a:prstGeom prst="rightArrow">
+            <a:avLst/>
+          </a:prstGeom>
+        </p:spPr>
+        <p:style>
+          <a:lnRef idx="1">
+            <a:schemeClr val="accent1"/>
+          </a:lnRef>
+          <a:fillRef idx="3">
+            <a:schemeClr val="accent1"/>
+          </a:fillRef>
+          <a:effectRef idx="2">
+            <a:schemeClr val="accent1"/>
+          </a:effectRef>
+          <a:fontRef idx="minor">
+            <a:schemeClr val="lt1"/>
+          </a:fontRef>
+        </p:style>
+        <p:txBody>
+          <a:bodyPr rtlCol="0" anchor="ctr"/>
+          <a:lstStyle/>
+          <a:p>
+            <a:pPr algn="ctr"/>
+            <a:endParaRPr lang="en-US"/>
+          </a:p>
+        </p:txBody>
+      </p:sp>
+    </p:spTree>
+    <p:extLst>
+      <p:ext uri="{BB962C8B-B14F-4D97-AF65-F5344CB8AC3E}">
+        <p14:creationId xmlns:p14="http://schemas.microsoft.com/office/powerpoint/2010/main" val="976631583"/>
       </p:ext>
     </p:extLst>
   </p:cSld>
@@ -11403,6 +12005,15 @@
 </file>
 
 <file path=customXml/item1.xml><?xml version="1.0" encoding="utf-8"?>
+<?mso-contentType ?>
+<FormTemplates xmlns="http://schemas.microsoft.com/sharepoint/v3/contenttype/forms">
+  <Display>DocumentLibraryForm</Display>
+  <Edit>DocumentLibraryForm</Edit>
+  <New>DocumentLibraryForm</New>
+</FormTemplates>
+</file>
+
+<file path=customXml/item2.xml><?xml version="1.0" encoding="utf-8"?>
 <ct:contentTypeSchema xmlns:ct="http://schemas.microsoft.com/office/2006/metadata/contentType" xmlns:ma="http://schemas.microsoft.com/office/2006/metadata/properties/metaAttributes" ct:_="" ma:_="" ma:contentTypeName="Document" ma:contentTypeID="0x01010037EDC2A96E5CB449A7312189F811BB76" ma:contentTypeVersion="0" ma:contentTypeDescription="Create a new document." ma:contentTypeScope="" ma:versionID="1c6a765587f8e20c0425e2e24273b493">
   <xsd:schema xmlns:xsd="http://www.w3.org/2001/XMLSchema" xmlns:xs="http://www.w3.org/2001/XMLSchema" xmlns:p="http://schemas.microsoft.com/office/2006/metadata/properties" targetNamespace="http://schemas.microsoft.com/office/2006/metadata/properties" ma:root="true" ma:fieldsID="c64490b4aec6201516c3a874156f37b2">
     <xsd:element name="properties">
@@ -11516,15 +12127,6 @@
 </ct:contentTypeSchema>
 </file>
 
-<file path=customXml/item2.xml><?xml version="1.0" encoding="utf-8"?>
-<?mso-contentType ?>
-<FormTemplates xmlns="http://schemas.microsoft.com/sharepoint/v3/contenttype/forms">
-  <Display>DocumentLibraryForm</Display>
-  <Edit>DocumentLibraryForm</Edit>
-  <New>DocumentLibraryForm</New>
-</FormTemplates>
-</file>
-
 <file path=customXml/item3.xml><?xml version="1.0" encoding="utf-8"?>
 <p:properties xmlns:p="http://schemas.microsoft.com/office/2006/metadata/properties" xmlns:xsi="http://www.w3.org/2001/XMLSchema-instance" xmlns:pc="http://schemas.microsoft.com/office/infopath/2007/PartnerControls">
   <documentManagement/>
@@ -11532,6 +12134,14 @@
 </file>
 
 <file path=customXml/itemProps1.xml><?xml version="1.0" encoding="utf-8"?>
+<ds:datastoreItem xmlns:ds="http://schemas.openxmlformats.org/officeDocument/2006/customXml" ds:itemID="{15A1F1AF-384A-425F-86A4-4D76E60159C6}">
+  <ds:schemaRefs>
+    <ds:schemaRef ds:uri="http://schemas.microsoft.com/sharepoint/v3/contenttype/forms"/>
+  </ds:schemaRefs>
+</ds:datastoreItem>
+</file>
+
+<file path=customXml/itemProps2.xml><?xml version="1.0" encoding="utf-8"?>
 <ds:datastoreItem xmlns:ds="http://schemas.openxmlformats.org/officeDocument/2006/customXml" ds:itemID="{173A96D5-2870-4F76-9563-927249B0D9BC}">
   <ds:schemaRefs>
     <ds:schemaRef ds:uri="http://schemas.microsoft.com/office/2006/metadata/contentType"/>
@@ -11543,14 +12153,6 @@
     <ds:schemaRef ds:uri="http://purl.org/dc/terms/"/>
     <ds:schemaRef ds:uri="http://schemas.microsoft.com/internal/obd"/>
     <ds:schemaRef ds:uri="http://schemas.microsoft.com/office/infopath/2007/PartnerControls"/>
-  </ds:schemaRefs>
-</ds:datastoreItem>
-</file>
-
-<file path=customXml/itemProps2.xml><?xml version="1.0" encoding="utf-8"?>
-<ds:datastoreItem xmlns:ds="http://schemas.openxmlformats.org/officeDocument/2006/customXml" ds:itemID="{15A1F1AF-384A-425F-86A4-4D76E60159C6}">
-  <ds:schemaRefs>
-    <ds:schemaRef ds:uri="http://schemas.microsoft.com/sharepoint/v3/contenttype/forms"/>
   </ds:schemaRefs>
 </ds:datastoreItem>
 </file>
